--- a/CaseUse/.layouts/PlantillaVideo.pptx
+++ b/CaseUse/.layouts/PlantillaVideo.pptx
@@ -227,7 +227,7 @@
             <a:pPr rtl="0"/>
             <a:fld id="{FAB3E6E3-061B-41A2-BBDC-C5312A04A40A}" type="datetime1">
               <a:rPr lang="es-ES" smtClean="0"/>
-              <a:t>09/08/2022</a:t>
+              <a:t>09/01/2023</a:t>
             </a:fld>
             <a:endParaRPr lang="es-ES" dirty="0"/>
           </a:p>
@@ -397,7 +397,7 @@
             <a:pPr rtl="0"/>
             <a:fld id="{2145992C-CBBF-4F24-8325-F5CB0EAAC0E9}" type="datetime1">
               <a:rPr lang="es-ES" noProof="0" smtClean="0"/>
-              <a:t>09/08/2022</a:t>
+              <a:t>09/01/2023</a:t>
             </a:fld>
             <a:endParaRPr lang="es-ES" noProof="0" dirty="0"/>
           </a:p>
@@ -927,7 +927,7 @@
             <a:pPr rtl="0"/>
             <a:fld id="{55224D71-97F5-4B9D-B11B-235152E09E96}" type="datetime1">
               <a:rPr lang="es-ES" noProof="0" smtClean="0"/>
-              <a:t>09/08/2022</a:t>
+              <a:t>09/01/2023</a:t>
             </a:fld>
             <a:endParaRPr lang="es-ES" noProof="0" dirty="0"/>
           </a:p>
@@ -1276,7 +1276,7 @@
             <a:pPr rtl="0"/>
             <a:fld id="{2AB3A384-AAB1-4A76-A43B-EFE930A802BF}" type="datetime1">
               <a:rPr lang="es-ES" noProof="0" smtClean="0"/>
-              <a:t>09/08/2022</a:t>
+              <a:t>09/01/2023</a:t>
             </a:fld>
             <a:endParaRPr lang="es-ES" noProof="0" dirty="0"/>
           </a:p>
@@ -1418,7 +1418,7 @@
             <a:pPr rtl="0"/>
             <a:fld id="{95F109E8-29A7-4A4D-BBAF-954B5246DC6B}" type="datetime1">
               <a:rPr lang="es-ES" noProof="0" smtClean="0"/>
-              <a:t>09/08/2022</a:t>
+              <a:t>09/01/2023</a:t>
             </a:fld>
             <a:endParaRPr lang="es-ES" noProof="0" dirty="0"/>
           </a:p>
@@ -1532,7 +1532,7 @@
             <a:pPr rtl="0"/>
             <a:fld id="{3EDF4B7F-437B-43B6-8193-868254AADFEB}" type="datetime1">
               <a:rPr lang="es-ES" noProof="0" smtClean="0"/>
-              <a:t>09/08/2022</a:t>
+              <a:t>09/01/2023</a:t>
             </a:fld>
             <a:endParaRPr lang="es-ES" noProof="0" dirty="0"/>
           </a:p>
@@ -1832,7 +1832,7 @@
             <a:pPr rtl="0"/>
             <a:fld id="{5FD9D2A0-9803-4B3F-A6B6-606959F35242}" type="datetime1">
               <a:rPr lang="es-ES" noProof="0" smtClean="0"/>
-              <a:t>09/08/2022</a:t>
+              <a:t>09/01/2023</a:t>
             </a:fld>
             <a:endParaRPr lang="es-ES" noProof="0" dirty="0"/>
           </a:p>
@@ -2103,7 +2103,7 @@
             <a:pPr rtl="0"/>
             <a:fld id="{B48CB6FA-6884-4007-A174-A67BE7A1CA93}" type="datetime1">
               <a:rPr lang="es-ES" noProof="0" smtClean="0"/>
-              <a:t>09/08/2022</a:t>
+              <a:t>09/01/2023</a:t>
             </a:fld>
             <a:endParaRPr lang="es-ES" noProof="0" dirty="0"/>
           </a:p>
@@ -2374,7 +2374,7 @@
             <a:pPr rtl="0"/>
             <a:fld id="{DCA87387-1199-4F13-92EC-EA845724990E}" type="datetime1">
               <a:rPr lang="es-ES" noProof="0" smtClean="0"/>
-              <a:t>09/08/2022</a:t>
+              <a:t>09/01/2023</a:t>
             </a:fld>
             <a:endParaRPr lang="es-ES" noProof="0" dirty="0"/>
           </a:p>
@@ -2552,7 +2552,7 @@
             <a:pPr rtl="0"/>
             <a:fld id="{0277B9E3-6C0A-45A5-BAE5-CD19B242173D}" type="datetime1">
               <a:rPr lang="es-ES" noProof="0" smtClean="0"/>
-              <a:t>09/08/2022</a:t>
+              <a:t>09/01/2023</a:t>
             </a:fld>
             <a:endParaRPr lang="es-ES" noProof="0" dirty="0"/>
           </a:p>
@@ -2740,7 +2740,7 @@
             <a:pPr rtl="0"/>
             <a:fld id="{AB41DD2C-FA4F-413E-A1B5-23565A0780B7}" type="datetime1">
               <a:rPr lang="es-ES" noProof="0" smtClean="0"/>
-              <a:t>09/08/2022</a:t>
+              <a:t>09/01/2023</a:t>
             </a:fld>
             <a:endParaRPr lang="es-ES" noProof="0" dirty="0"/>
           </a:p>
@@ -2990,7 +2990,7 @@
             <a:pPr rtl="0"/>
             <a:fld id="{0D82DBE2-B5E9-4999-A9C0-55ED93FCE73D}" type="datetime1">
               <a:rPr lang="es-ES" noProof="0" smtClean="0"/>
-              <a:t>09/08/2022</a:t>
+              <a:t>09/01/2023</a:t>
             </a:fld>
             <a:endParaRPr lang="es-ES" noProof="0" dirty="0"/>
           </a:p>
@@ -3240,7 +3240,7 @@
             <a:pPr rtl="0"/>
             <a:fld id="{89B7BC24-C90D-4DAD-A6CB-BBA58C4D57BB}" type="datetime1">
               <a:rPr lang="es-ES" noProof="0" smtClean="0"/>
-              <a:t>09/08/2022</a:t>
+              <a:t>09/01/2023</a:t>
             </a:fld>
             <a:endParaRPr lang="es-ES" noProof="0" dirty="0"/>
           </a:p>
@@ -3503,7 +3503,7 @@
             <a:pPr rtl="0"/>
             <a:fld id="{217D4995-77A4-48E5-92B1-2DC992A39FBB}" type="datetime1">
               <a:rPr lang="es-ES" noProof="0" smtClean="0"/>
-              <a:t>09/08/2022</a:t>
+              <a:t>09/01/2023</a:t>
             </a:fld>
             <a:endParaRPr lang="es-ES" noProof="0" dirty="0"/>
           </a:p>
@@ -3777,7 +3777,7 @@
             <a:pPr rtl="0"/>
             <a:fld id="{AE8112B3-1F24-452F-80DE-56BF301098EC}" type="datetime1">
               <a:rPr lang="es-ES" noProof="0" smtClean="0"/>
-              <a:t>09/08/2022</a:t>
+              <a:t>09/01/2023</a:t>
             </a:fld>
             <a:endParaRPr lang="es-ES" noProof="0" dirty="0"/>
           </a:p>
@@ -4143,7 +4143,7 @@
             <a:pPr rtl="0"/>
             <a:fld id="{39B46DA2-8C2E-44C4-A865-CD3D33CFD45F}" type="datetime1">
               <a:rPr lang="es-ES" noProof="0" smtClean="0"/>
-              <a:t>09/08/2022</a:t>
+              <a:t>09/01/2023</a:t>
             </a:fld>
             <a:endParaRPr lang="es-ES" noProof="0" dirty="0"/>
           </a:p>
@@ -4498,7 +4498,7 @@
             <a:pPr rtl="0"/>
             <a:fld id="{D1525062-C568-4AE5-A98F-45E6D6D3E9AC}" type="datetime1">
               <a:rPr lang="es-ES" noProof="0" smtClean="0"/>
-              <a:t>09/08/2022</a:t>
+              <a:t>09/01/2023</a:t>
             </a:fld>
             <a:endParaRPr lang="es-ES" noProof="0" dirty="0"/>
           </a:p>
@@ -4993,7 +4993,7 @@
             <a:pPr rtl="0"/>
             <a:fld id="{8EBA81B0-EA87-4E7B-A74D-942650D6BCED}" type="datetime1">
               <a:rPr lang="es-ES" noProof="0" smtClean="0"/>
-              <a:t>09/08/2022</a:t>
+              <a:t>09/01/2023</a:t>
             </a:fld>
             <a:endParaRPr lang="es-ES" noProof="0" dirty="0"/>
           </a:p>
@@ -5488,7 +5488,7 @@
             <a:pPr rtl="0"/>
             <a:fld id="{F6653BDA-CE15-46D4-A5A4-C9E9758DEFB2}" type="datetime1">
               <a:rPr lang="es-ES" noProof="0" smtClean="0"/>
-              <a:t>09/08/2022</a:t>
+              <a:t>09/01/2023</a:t>
             </a:fld>
             <a:endParaRPr lang="es-ES" noProof="0" dirty="0"/>
           </a:p>
@@ -5712,7 +5712,7 @@
             <a:pPr rtl="0"/>
             <a:fld id="{72696FBB-EB5C-4293-9014-59E70AE1A5E6}" type="datetime1">
               <a:rPr lang="es-ES" noProof="0" smtClean="0"/>
-              <a:t>09/08/2022</a:t>
+              <a:t>09/01/2023</a:t>
             </a:fld>
             <a:endParaRPr lang="es-ES" noProof="0" dirty="0"/>
           </a:p>
@@ -7208,6 +7208,57 @@
 </file>
 
 <file path=customXml/item1.xml><?xml version="1.0" encoding="utf-8"?>
+<p:properties xmlns:p="http://schemas.microsoft.com/office/2006/metadata/properties" xmlns:xsi="http://www.w3.org/2001/XMLSchema-instance" xmlns:pc="http://schemas.microsoft.com/office/infopath/2007/PartnerControls">
+  <documentManagement>
+    <NotebookType xmlns="bf3e1746-bde1-4d6e-9c3f-7182572f7502" xsi:nil="true"/>
+    <CultureName xmlns="bf3e1746-bde1-4d6e-9c3f-7182572f7502" xsi:nil="true"/>
+    <Students xmlns="bf3e1746-bde1-4d6e-9c3f-7182572f7502">
+      <UserInfo>
+        <DisplayName/>
+        <AccountId xsi:nil="true"/>
+        <AccountType/>
+      </UserInfo>
+    </Students>
+    <Distribution_Groups xmlns="bf3e1746-bde1-4d6e-9c3f-7182572f7502" xsi:nil="true"/>
+    <FolderType xmlns="bf3e1746-bde1-4d6e-9c3f-7182572f7502" xsi:nil="true"/>
+    <Student_Groups xmlns="bf3e1746-bde1-4d6e-9c3f-7182572f7502">
+      <UserInfo>
+        <DisplayName/>
+        <AccountId xsi:nil="true"/>
+        <AccountType/>
+      </UserInfo>
+    </Student_Groups>
+    <Self_Registration_Enabled xmlns="bf3e1746-bde1-4d6e-9c3f-7182572f7502" xsi:nil="true"/>
+    <TeamsChannelId xmlns="bf3e1746-bde1-4d6e-9c3f-7182572f7502" xsi:nil="true"/>
+    <IsNotebookLocked xmlns="bf3e1746-bde1-4d6e-9c3f-7182572f7502" xsi:nil="true"/>
+    <DefaultSectionNames xmlns="bf3e1746-bde1-4d6e-9c3f-7182572f7502" xsi:nil="true"/>
+    <Is_Collaboration_Space_Locked xmlns="bf3e1746-bde1-4d6e-9c3f-7182572f7502" xsi:nil="true"/>
+    <Invited_Teachers xmlns="bf3e1746-bde1-4d6e-9c3f-7182572f7502" xsi:nil="true"/>
+    <Math_Settings xmlns="bf3e1746-bde1-4d6e-9c3f-7182572f7502" xsi:nil="true"/>
+    <Templates xmlns="bf3e1746-bde1-4d6e-9c3f-7182572f7502" xsi:nil="true"/>
+    <Has_Teacher_Only_SectionGroup xmlns="bf3e1746-bde1-4d6e-9c3f-7182572f7502" xsi:nil="true"/>
+    <AppVersion xmlns="bf3e1746-bde1-4d6e-9c3f-7182572f7502" xsi:nil="true"/>
+    <Invited_Students xmlns="bf3e1746-bde1-4d6e-9c3f-7182572f7502" xsi:nil="true"/>
+    <Owner xmlns="bf3e1746-bde1-4d6e-9c3f-7182572f7502">
+      <UserInfo>
+        <DisplayName/>
+        <AccountId xsi:nil="true"/>
+        <AccountType/>
+      </UserInfo>
+    </Owner>
+    <Teachers xmlns="bf3e1746-bde1-4d6e-9c3f-7182572f7502">
+      <UserInfo>
+        <DisplayName/>
+        <AccountId xsi:nil="true"/>
+        <AccountType/>
+      </UserInfo>
+    </Teachers>
+    <LMS_Mappings xmlns="bf3e1746-bde1-4d6e-9c3f-7182572f7502" xsi:nil="true"/>
+  </documentManagement>
+</p:properties>
+</file>
+
+<file path=customXml/item2.xml><?xml version="1.0" encoding="utf-8"?>
 <ct:contentTypeSchema xmlns:ct="http://schemas.microsoft.com/office/2006/metadata/contentType" xmlns:ma="http://schemas.microsoft.com/office/2006/metadata/properties/metaAttributes" ct:_="" ma:_="" ma:contentTypeName="Document" ma:contentTypeID="0x010100C089011499791B4EB69D0A56FFA67F2B" ma:contentTypeVersion="30" ma:contentTypeDescription="Create a new document." ma:contentTypeScope="" ma:versionID="f76dc847e91b26043a9f85409c9c8da8">
   <xsd:schema xmlns:xsd="http://www.w3.org/2001/XMLSchema" xmlns:xs="http://www.w3.org/2001/XMLSchema" xmlns:p="http://schemas.microsoft.com/office/2006/metadata/properties" xmlns:ns3="bf3e1746-bde1-4d6e-9c3f-7182572f7502" xmlns:ns4="14224164-2045-4b51-92bb-313d0f626d83" targetNamespace="http://schemas.microsoft.com/office/2006/metadata/properties" ma:root="true" ma:fieldsID="e77e75136ac7a83ebab10a30c2d6fe6c" ns3:_="" ns4:_="">
     <xsd:import namespace="bf3e1746-bde1-4d6e-9c3f-7182572f7502"/>
@@ -7598,57 +7649,6 @@
 </ct:contentTypeSchema>
 </file>
 
-<file path=customXml/item2.xml><?xml version="1.0" encoding="utf-8"?>
-<p:properties xmlns:p="http://schemas.microsoft.com/office/2006/metadata/properties" xmlns:xsi="http://www.w3.org/2001/XMLSchema-instance" xmlns:pc="http://schemas.microsoft.com/office/infopath/2007/PartnerControls">
-  <documentManagement>
-    <NotebookType xmlns="bf3e1746-bde1-4d6e-9c3f-7182572f7502" xsi:nil="true"/>
-    <CultureName xmlns="bf3e1746-bde1-4d6e-9c3f-7182572f7502" xsi:nil="true"/>
-    <Students xmlns="bf3e1746-bde1-4d6e-9c3f-7182572f7502">
-      <UserInfo>
-        <DisplayName/>
-        <AccountId xsi:nil="true"/>
-        <AccountType/>
-      </UserInfo>
-    </Students>
-    <Distribution_Groups xmlns="bf3e1746-bde1-4d6e-9c3f-7182572f7502" xsi:nil="true"/>
-    <FolderType xmlns="bf3e1746-bde1-4d6e-9c3f-7182572f7502" xsi:nil="true"/>
-    <Student_Groups xmlns="bf3e1746-bde1-4d6e-9c3f-7182572f7502">
-      <UserInfo>
-        <DisplayName/>
-        <AccountId xsi:nil="true"/>
-        <AccountType/>
-      </UserInfo>
-    </Student_Groups>
-    <Self_Registration_Enabled xmlns="bf3e1746-bde1-4d6e-9c3f-7182572f7502" xsi:nil="true"/>
-    <TeamsChannelId xmlns="bf3e1746-bde1-4d6e-9c3f-7182572f7502" xsi:nil="true"/>
-    <IsNotebookLocked xmlns="bf3e1746-bde1-4d6e-9c3f-7182572f7502" xsi:nil="true"/>
-    <DefaultSectionNames xmlns="bf3e1746-bde1-4d6e-9c3f-7182572f7502" xsi:nil="true"/>
-    <Is_Collaboration_Space_Locked xmlns="bf3e1746-bde1-4d6e-9c3f-7182572f7502" xsi:nil="true"/>
-    <Invited_Teachers xmlns="bf3e1746-bde1-4d6e-9c3f-7182572f7502" xsi:nil="true"/>
-    <Math_Settings xmlns="bf3e1746-bde1-4d6e-9c3f-7182572f7502" xsi:nil="true"/>
-    <Templates xmlns="bf3e1746-bde1-4d6e-9c3f-7182572f7502" xsi:nil="true"/>
-    <Has_Teacher_Only_SectionGroup xmlns="bf3e1746-bde1-4d6e-9c3f-7182572f7502" xsi:nil="true"/>
-    <AppVersion xmlns="bf3e1746-bde1-4d6e-9c3f-7182572f7502" xsi:nil="true"/>
-    <Invited_Students xmlns="bf3e1746-bde1-4d6e-9c3f-7182572f7502" xsi:nil="true"/>
-    <Owner xmlns="bf3e1746-bde1-4d6e-9c3f-7182572f7502">
-      <UserInfo>
-        <DisplayName/>
-        <AccountId xsi:nil="true"/>
-        <AccountType/>
-      </UserInfo>
-    </Owner>
-    <Teachers xmlns="bf3e1746-bde1-4d6e-9c3f-7182572f7502">
-      <UserInfo>
-        <DisplayName/>
-        <AccountId xsi:nil="true"/>
-        <AccountType/>
-      </UserInfo>
-    </Teachers>
-    <LMS_Mappings xmlns="bf3e1746-bde1-4d6e-9c3f-7182572f7502" xsi:nil="true"/>
-  </documentManagement>
-</p:properties>
-</file>
-
 <file path=customXml/item3.xml><?xml version="1.0" encoding="utf-8"?>
 <?mso-contentType ?>
 <FormTemplates xmlns="http://schemas.microsoft.com/sharepoint/v3/contenttype/forms">
@@ -7659,6 +7659,23 @@
 </file>
 
 <file path=customXml/itemProps1.xml><?xml version="1.0" encoding="utf-8"?>
+<ds:datastoreItem xmlns:ds="http://schemas.openxmlformats.org/officeDocument/2006/customXml" ds:itemID="{DEDD01B8-816B-49B7-8C81-03AB51D87C54}">
+  <ds:schemaRefs>
+    <ds:schemaRef ds:uri="http://schemas.microsoft.com/office/infopath/2007/PartnerControls"/>
+    <ds:schemaRef ds:uri="http://purl.org/dc/terms/"/>
+    <ds:schemaRef ds:uri="http://schemas.openxmlformats.org/package/2006/metadata/core-properties"/>
+    <ds:schemaRef ds:uri="http://schemas.microsoft.com/office/2006/documentManagement/types"/>
+    <ds:schemaRef ds:uri="http://purl.org/dc/elements/1.1/"/>
+    <ds:schemaRef ds:uri="http://purl.org/dc/dcmitype/"/>
+    <ds:schemaRef ds:uri="14224164-2045-4b51-92bb-313d0f626d83"/>
+    <ds:schemaRef ds:uri="bf3e1746-bde1-4d6e-9c3f-7182572f7502"/>
+    <ds:schemaRef ds:uri="http://schemas.microsoft.com/office/2006/metadata/properties"/>
+    <ds:schemaRef ds:uri="http://www.w3.org/XML/1998/namespace"/>
+  </ds:schemaRefs>
+</ds:datastoreItem>
+</file>
+
+<file path=customXml/itemProps2.xml><?xml version="1.0" encoding="utf-8"?>
 <ds:datastoreItem xmlns:ds="http://schemas.openxmlformats.org/officeDocument/2006/customXml" ds:itemID="{A129B439-51BE-4A7D-9272-FBD057297E66}">
   <ds:schemaRefs>
     <ds:schemaRef ds:uri="http://schemas.microsoft.com/office/2006/metadata/contentType"/>
@@ -7677,23 +7694,6 @@
 </ds:datastoreItem>
 </file>
 
-<file path=customXml/itemProps2.xml><?xml version="1.0" encoding="utf-8"?>
-<ds:datastoreItem xmlns:ds="http://schemas.openxmlformats.org/officeDocument/2006/customXml" ds:itemID="{DEDD01B8-816B-49B7-8C81-03AB51D87C54}">
-  <ds:schemaRefs>
-    <ds:schemaRef ds:uri="http://schemas.microsoft.com/office/infopath/2007/PartnerControls"/>
-    <ds:schemaRef ds:uri="http://schemas.microsoft.com/office/2006/metadata/properties"/>
-    <ds:schemaRef ds:uri="14224164-2045-4b51-92bb-313d0f626d83"/>
-    <ds:schemaRef ds:uri="http://www.w3.org/XML/1998/namespace"/>
-    <ds:schemaRef ds:uri="http://schemas.microsoft.com/office/2006/documentManagement/types"/>
-    <ds:schemaRef ds:uri="http://purl.org/dc/dcmitype/"/>
-    <ds:schemaRef ds:uri="http://schemas.openxmlformats.org/package/2006/metadata/core-properties"/>
-    <ds:schemaRef ds:uri="http://purl.org/dc/terms/"/>
-    <ds:schemaRef ds:uri="bf3e1746-bde1-4d6e-9c3f-7182572f7502"/>
-    <ds:schemaRef ds:uri="http://purl.org/dc/elements/1.1/"/>
-  </ds:schemaRefs>
-</ds:datastoreItem>
-</file>
-
 <file path=customXml/itemProps3.xml><?xml version="1.0" encoding="utf-8"?>
 <ds:datastoreItem xmlns:ds="http://schemas.openxmlformats.org/officeDocument/2006/customXml" ds:itemID="{B024FD56-CE1B-42FC-9E83-BFBF160724C6}">
   <ds:schemaRefs>
